--- a/Danial/vis_and_analysis_student_demo_template.pptx
+++ b/Danial/vis_and_analysis_student_demo_template.pptx
@@ -1,6 +1,6 @@
 
 <file path=ppt/presentation.xml><?xml version="1.0" encoding="utf-8"?>
-<p:presentation xmlns:a="http://schemas.openxmlformats.org/drawingml/2006/main" xmlns:r="http://schemas.openxmlformats.org/officeDocument/2006/relationships" xmlns:p="http://schemas.openxmlformats.org/presentationml/2006/main" saveSubsetFonts="1">
+<p:presentation xmlns:a="http://schemas.openxmlformats.org/drawingml/2006/main" xmlns:r="http://schemas.openxmlformats.org/officeDocument/2006/relationships" xmlns:p="http://schemas.openxmlformats.org/presentationml/2006/main" embedTrueTypeFonts="1">
   <p:sldMasterIdLst>
     <p:sldMasterId id="2147483648" r:id="rId4"/>
   </p:sldMasterIdLst>
